--- a/BAOCAO.pptx
+++ b/BAOCAO.pptx
@@ -219,7 +219,7 @@
           <a:p>
             <a:fld id="{D7E60DD7-C79C-4B75-8338-994C6DA7B593}" type="datetimeFigureOut">
               <a:rPr lang="en-US" smtClean="0"/>
-              <a:t>1/3/2025</a:t>
+              <a:t>1/4/2025</a:t>
             </a:fld>
             <a:endParaRPr lang="en-US"/>
           </a:p>
@@ -578,7 +578,7 @@
         <p:cNvPr id="1" name="">
           <a:extLst>
             <a:ext uri="{FF2B5EF4-FFF2-40B4-BE49-F238E27FC236}">
-              <a16:creationId xmlns:a16="http://schemas.microsoft.com/office/drawing/2014/main" id="{A66BD9B9-DD33-3E6A-1E2C-81DBAF02F9B5}"/>
+              <a16:creationId xmlns:a16="http://schemas.microsoft.com/office/drawing/2014/main" xmlns="" id="{A66BD9B9-DD33-3E6A-1E2C-81DBAF02F9B5}"/>
             </a:ext>
           </a:extLst>
         </p:cNvPr>
@@ -598,7 +598,7 @@
           <p:cNvPr id="2" name="Slide Image Placeholder 1">
             <a:extLst>
               <a:ext uri="{FF2B5EF4-FFF2-40B4-BE49-F238E27FC236}">
-                <a16:creationId xmlns:a16="http://schemas.microsoft.com/office/drawing/2014/main" id="{B0042AD7-41F5-C99B-8645-E14F67228188}"/>
+                <a16:creationId xmlns:a16="http://schemas.microsoft.com/office/drawing/2014/main" xmlns="" id="{B0042AD7-41F5-C99B-8645-E14F67228188}"/>
               </a:ext>
             </a:extLst>
           </p:cNvPr>
@@ -616,7 +616,7 @@
           <p:cNvPr id="3" name="Notes Placeholder 2">
             <a:extLst>
               <a:ext uri="{FF2B5EF4-FFF2-40B4-BE49-F238E27FC236}">
-                <a16:creationId xmlns:a16="http://schemas.microsoft.com/office/drawing/2014/main" id="{538D2C61-8720-73D5-BFB6-B0B24B15BF05}"/>
+                <a16:creationId xmlns:a16="http://schemas.microsoft.com/office/drawing/2014/main" xmlns="" id="{538D2C61-8720-73D5-BFB6-B0B24B15BF05}"/>
               </a:ext>
             </a:extLst>
           </p:cNvPr>
@@ -641,7 +641,7 @@
           <p:cNvPr id="4" name="Slide Number Placeholder 3">
             <a:extLst>
               <a:ext uri="{FF2B5EF4-FFF2-40B4-BE49-F238E27FC236}">
-                <a16:creationId xmlns:a16="http://schemas.microsoft.com/office/drawing/2014/main" id="{7A2C8475-D435-5E50-E7EB-B1FF2AA3EBB2}"/>
+                <a16:creationId xmlns:a16="http://schemas.microsoft.com/office/drawing/2014/main" xmlns="" id="{7A2C8475-D435-5E50-E7EB-B1FF2AA3EBB2}"/>
               </a:ext>
             </a:extLst>
           </p:cNvPr>
@@ -686,7 +686,7 @@
         <p:cNvPr id="1" name="">
           <a:extLst>
             <a:ext uri="{FF2B5EF4-FFF2-40B4-BE49-F238E27FC236}">
-              <a16:creationId xmlns:a16="http://schemas.microsoft.com/office/drawing/2014/main" id="{51505594-B84A-5F0B-0697-D6A263F8E6B2}"/>
+              <a16:creationId xmlns:a16="http://schemas.microsoft.com/office/drawing/2014/main" xmlns="" id="{51505594-B84A-5F0B-0697-D6A263F8E6B2}"/>
             </a:ext>
           </a:extLst>
         </p:cNvPr>
@@ -706,7 +706,7 @@
           <p:cNvPr id="2" name="Slide Image Placeholder 1">
             <a:extLst>
               <a:ext uri="{FF2B5EF4-FFF2-40B4-BE49-F238E27FC236}">
-                <a16:creationId xmlns:a16="http://schemas.microsoft.com/office/drawing/2014/main" id="{14EB26A1-98EF-3C89-5468-826D2303820E}"/>
+                <a16:creationId xmlns:a16="http://schemas.microsoft.com/office/drawing/2014/main" xmlns="" id="{14EB26A1-98EF-3C89-5468-826D2303820E}"/>
               </a:ext>
             </a:extLst>
           </p:cNvPr>
@@ -724,7 +724,7 @@
           <p:cNvPr id="3" name="Notes Placeholder 2">
             <a:extLst>
               <a:ext uri="{FF2B5EF4-FFF2-40B4-BE49-F238E27FC236}">
-                <a16:creationId xmlns:a16="http://schemas.microsoft.com/office/drawing/2014/main" id="{7CDF5E8E-34AC-FCC2-1B25-891CF440C85E}"/>
+                <a16:creationId xmlns:a16="http://schemas.microsoft.com/office/drawing/2014/main" xmlns="" id="{7CDF5E8E-34AC-FCC2-1B25-891CF440C85E}"/>
               </a:ext>
             </a:extLst>
           </p:cNvPr>
@@ -749,7 +749,7 @@
           <p:cNvPr id="4" name="Slide Number Placeholder 3">
             <a:extLst>
               <a:ext uri="{FF2B5EF4-FFF2-40B4-BE49-F238E27FC236}">
-                <a16:creationId xmlns:a16="http://schemas.microsoft.com/office/drawing/2014/main" id="{C8210165-6D74-9F8F-1CC9-FB052BB79A6F}"/>
+                <a16:creationId xmlns:a16="http://schemas.microsoft.com/office/drawing/2014/main" xmlns="" id="{C8210165-6D74-9F8F-1CC9-FB052BB79A6F}"/>
               </a:ext>
             </a:extLst>
           </p:cNvPr>
@@ -962,7 +962,7 @@
         <p:cNvPr id="1" name="">
           <a:extLst>
             <a:ext uri="{FF2B5EF4-FFF2-40B4-BE49-F238E27FC236}">
-              <a16:creationId xmlns:a16="http://schemas.microsoft.com/office/drawing/2014/main" id="{34E72C2F-A88B-22C6-7C5D-7C2DCEE002DC}"/>
+              <a16:creationId xmlns:a16="http://schemas.microsoft.com/office/drawing/2014/main" xmlns="" id="{34E72C2F-A88B-22C6-7C5D-7C2DCEE002DC}"/>
             </a:ext>
           </a:extLst>
         </p:cNvPr>
@@ -982,7 +982,7 @@
           <p:cNvPr id="2" name="Slide Image Placeholder 1">
             <a:extLst>
               <a:ext uri="{FF2B5EF4-FFF2-40B4-BE49-F238E27FC236}">
-                <a16:creationId xmlns:a16="http://schemas.microsoft.com/office/drawing/2014/main" id="{A326FA8C-FF0C-7594-509F-90F3D38B1771}"/>
+                <a16:creationId xmlns:a16="http://schemas.microsoft.com/office/drawing/2014/main" xmlns="" id="{A326FA8C-FF0C-7594-509F-90F3D38B1771}"/>
               </a:ext>
             </a:extLst>
           </p:cNvPr>
@@ -1000,7 +1000,7 @@
           <p:cNvPr id="3" name="Notes Placeholder 2">
             <a:extLst>
               <a:ext uri="{FF2B5EF4-FFF2-40B4-BE49-F238E27FC236}">
-                <a16:creationId xmlns:a16="http://schemas.microsoft.com/office/drawing/2014/main" id="{45600CA9-A41F-CDD3-3681-999A816CC61F}"/>
+                <a16:creationId xmlns:a16="http://schemas.microsoft.com/office/drawing/2014/main" xmlns="" id="{45600CA9-A41F-CDD3-3681-999A816CC61F}"/>
               </a:ext>
             </a:extLst>
           </p:cNvPr>
@@ -1025,7 +1025,7 @@
           <p:cNvPr id="4" name="Slide Number Placeholder 3">
             <a:extLst>
               <a:ext uri="{FF2B5EF4-FFF2-40B4-BE49-F238E27FC236}">
-                <a16:creationId xmlns:a16="http://schemas.microsoft.com/office/drawing/2014/main" id="{3F81BCA0-C35C-0AE5-C660-23DF4F2A25BF}"/>
+                <a16:creationId xmlns:a16="http://schemas.microsoft.com/office/drawing/2014/main" xmlns="" id="{3F81BCA0-C35C-0AE5-C660-23DF4F2A25BF}"/>
               </a:ext>
             </a:extLst>
           </p:cNvPr>
@@ -1070,7 +1070,7 @@
         <p:cNvPr id="1" name="">
           <a:extLst>
             <a:ext uri="{FF2B5EF4-FFF2-40B4-BE49-F238E27FC236}">
-              <a16:creationId xmlns:a16="http://schemas.microsoft.com/office/drawing/2014/main" id="{1C410559-EF12-F693-CF4C-D2E60254CCAA}"/>
+              <a16:creationId xmlns:a16="http://schemas.microsoft.com/office/drawing/2014/main" xmlns="" id="{1C410559-EF12-F693-CF4C-D2E60254CCAA}"/>
             </a:ext>
           </a:extLst>
         </p:cNvPr>
@@ -1090,7 +1090,7 @@
           <p:cNvPr id="2" name="Slide Image Placeholder 1">
             <a:extLst>
               <a:ext uri="{FF2B5EF4-FFF2-40B4-BE49-F238E27FC236}">
-                <a16:creationId xmlns:a16="http://schemas.microsoft.com/office/drawing/2014/main" id="{CEC64F39-ED08-BD1E-C48E-1E3C94D3DFF1}"/>
+                <a16:creationId xmlns:a16="http://schemas.microsoft.com/office/drawing/2014/main" xmlns="" id="{CEC64F39-ED08-BD1E-C48E-1E3C94D3DFF1}"/>
               </a:ext>
             </a:extLst>
           </p:cNvPr>
@@ -1108,7 +1108,7 @@
           <p:cNvPr id="3" name="Notes Placeholder 2">
             <a:extLst>
               <a:ext uri="{FF2B5EF4-FFF2-40B4-BE49-F238E27FC236}">
-                <a16:creationId xmlns:a16="http://schemas.microsoft.com/office/drawing/2014/main" id="{65E1BBBF-74D7-F185-714E-91537A88922B}"/>
+                <a16:creationId xmlns:a16="http://schemas.microsoft.com/office/drawing/2014/main" xmlns="" id="{65E1BBBF-74D7-F185-714E-91537A88922B}"/>
               </a:ext>
             </a:extLst>
           </p:cNvPr>
@@ -1133,7 +1133,7 @@
           <p:cNvPr id="4" name="Slide Number Placeholder 3">
             <a:extLst>
               <a:ext uri="{FF2B5EF4-FFF2-40B4-BE49-F238E27FC236}">
-                <a16:creationId xmlns:a16="http://schemas.microsoft.com/office/drawing/2014/main" id="{16FF39EB-2400-78C5-F07C-F70730B043AB}"/>
+                <a16:creationId xmlns:a16="http://schemas.microsoft.com/office/drawing/2014/main" xmlns="" id="{16FF39EB-2400-78C5-F07C-F70730B043AB}"/>
               </a:ext>
             </a:extLst>
           </p:cNvPr>
@@ -1178,7 +1178,7 @@
         <p:cNvPr id="1" name="">
           <a:extLst>
             <a:ext uri="{FF2B5EF4-FFF2-40B4-BE49-F238E27FC236}">
-              <a16:creationId xmlns:a16="http://schemas.microsoft.com/office/drawing/2014/main" id="{1C09B758-87F9-ACBE-DAAC-453D379EB1B5}"/>
+              <a16:creationId xmlns:a16="http://schemas.microsoft.com/office/drawing/2014/main" xmlns="" id="{1C09B758-87F9-ACBE-DAAC-453D379EB1B5}"/>
             </a:ext>
           </a:extLst>
         </p:cNvPr>
@@ -1198,7 +1198,7 @@
           <p:cNvPr id="2" name="Slide Image Placeholder 1">
             <a:extLst>
               <a:ext uri="{FF2B5EF4-FFF2-40B4-BE49-F238E27FC236}">
-                <a16:creationId xmlns:a16="http://schemas.microsoft.com/office/drawing/2014/main" id="{39CC4CC6-78F1-9681-6E51-BB53260E3F8A}"/>
+                <a16:creationId xmlns:a16="http://schemas.microsoft.com/office/drawing/2014/main" xmlns="" id="{39CC4CC6-78F1-9681-6E51-BB53260E3F8A}"/>
               </a:ext>
             </a:extLst>
           </p:cNvPr>
@@ -1216,7 +1216,7 @@
           <p:cNvPr id="3" name="Notes Placeholder 2">
             <a:extLst>
               <a:ext uri="{FF2B5EF4-FFF2-40B4-BE49-F238E27FC236}">
-                <a16:creationId xmlns:a16="http://schemas.microsoft.com/office/drawing/2014/main" id="{B7FA7D41-2F80-2708-7E1C-BBE1805E1A24}"/>
+                <a16:creationId xmlns:a16="http://schemas.microsoft.com/office/drawing/2014/main" xmlns="" id="{B7FA7D41-2F80-2708-7E1C-BBE1805E1A24}"/>
               </a:ext>
             </a:extLst>
           </p:cNvPr>
@@ -1241,7 +1241,7 @@
           <p:cNvPr id="4" name="Slide Number Placeholder 3">
             <a:extLst>
               <a:ext uri="{FF2B5EF4-FFF2-40B4-BE49-F238E27FC236}">
-                <a16:creationId xmlns:a16="http://schemas.microsoft.com/office/drawing/2014/main" id="{4760CCDD-37AF-E0E3-9164-3351A5873431}"/>
+                <a16:creationId xmlns:a16="http://schemas.microsoft.com/office/drawing/2014/main" xmlns="" id="{4760CCDD-37AF-E0E3-9164-3351A5873431}"/>
               </a:ext>
             </a:extLst>
           </p:cNvPr>
@@ -1286,7 +1286,7 @@
         <p:cNvPr id="1" name="">
           <a:extLst>
             <a:ext uri="{FF2B5EF4-FFF2-40B4-BE49-F238E27FC236}">
-              <a16:creationId xmlns:a16="http://schemas.microsoft.com/office/drawing/2014/main" id="{EE0F058F-69A1-E496-BF3B-ECC3874B451A}"/>
+              <a16:creationId xmlns:a16="http://schemas.microsoft.com/office/drawing/2014/main" xmlns="" id="{EE0F058F-69A1-E496-BF3B-ECC3874B451A}"/>
             </a:ext>
           </a:extLst>
         </p:cNvPr>
@@ -1306,7 +1306,7 @@
           <p:cNvPr id="2" name="Slide Image Placeholder 1">
             <a:extLst>
               <a:ext uri="{FF2B5EF4-FFF2-40B4-BE49-F238E27FC236}">
-                <a16:creationId xmlns:a16="http://schemas.microsoft.com/office/drawing/2014/main" id="{B14D79C2-1AA7-76B5-4372-CED300F92A90}"/>
+                <a16:creationId xmlns:a16="http://schemas.microsoft.com/office/drawing/2014/main" xmlns="" id="{B14D79C2-1AA7-76B5-4372-CED300F92A90}"/>
               </a:ext>
             </a:extLst>
           </p:cNvPr>
@@ -1324,7 +1324,7 @@
           <p:cNvPr id="3" name="Notes Placeholder 2">
             <a:extLst>
               <a:ext uri="{FF2B5EF4-FFF2-40B4-BE49-F238E27FC236}">
-                <a16:creationId xmlns:a16="http://schemas.microsoft.com/office/drawing/2014/main" id="{2EE88C28-28E0-5A17-2E7A-F5FEBFE77917}"/>
+                <a16:creationId xmlns:a16="http://schemas.microsoft.com/office/drawing/2014/main" xmlns="" id="{2EE88C28-28E0-5A17-2E7A-F5FEBFE77917}"/>
               </a:ext>
             </a:extLst>
           </p:cNvPr>
@@ -1349,7 +1349,7 @@
           <p:cNvPr id="4" name="Slide Number Placeholder 3">
             <a:extLst>
               <a:ext uri="{FF2B5EF4-FFF2-40B4-BE49-F238E27FC236}">
-                <a16:creationId xmlns:a16="http://schemas.microsoft.com/office/drawing/2014/main" id="{D972F53B-C4EE-BED1-2990-D3697E51923B}"/>
+                <a16:creationId xmlns:a16="http://schemas.microsoft.com/office/drawing/2014/main" xmlns="" id="{D972F53B-C4EE-BED1-2990-D3697E51923B}"/>
               </a:ext>
             </a:extLst>
           </p:cNvPr>
@@ -1394,7 +1394,7 @@
         <p:cNvPr id="1" name="">
           <a:extLst>
             <a:ext uri="{FF2B5EF4-FFF2-40B4-BE49-F238E27FC236}">
-              <a16:creationId xmlns:a16="http://schemas.microsoft.com/office/drawing/2014/main" id="{4ADF4435-1290-2744-3C6A-CAE09EC5F1F1}"/>
+              <a16:creationId xmlns:a16="http://schemas.microsoft.com/office/drawing/2014/main" xmlns="" id="{4ADF4435-1290-2744-3C6A-CAE09EC5F1F1}"/>
             </a:ext>
           </a:extLst>
         </p:cNvPr>
@@ -1414,7 +1414,7 @@
           <p:cNvPr id="2" name="Slide Image Placeholder 1">
             <a:extLst>
               <a:ext uri="{FF2B5EF4-FFF2-40B4-BE49-F238E27FC236}">
-                <a16:creationId xmlns:a16="http://schemas.microsoft.com/office/drawing/2014/main" id="{8E207E12-41D5-6C26-5F71-E95AFF16F6BC}"/>
+                <a16:creationId xmlns:a16="http://schemas.microsoft.com/office/drawing/2014/main" xmlns="" id="{8E207E12-41D5-6C26-5F71-E95AFF16F6BC}"/>
               </a:ext>
             </a:extLst>
           </p:cNvPr>
@@ -1432,7 +1432,7 @@
           <p:cNvPr id="3" name="Notes Placeholder 2">
             <a:extLst>
               <a:ext uri="{FF2B5EF4-FFF2-40B4-BE49-F238E27FC236}">
-                <a16:creationId xmlns:a16="http://schemas.microsoft.com/office/drawing/2014/main" id="{F9AE17D8-CB48-1BF6-56D5-2030EE19B331}"/>
+                <a16:creationId xmlns:a16="http://schemas.microsoft.com/office/drawing/2014/main" xmlns="" id="{F9AE17D8-CB48-1BF6-56D5-2030EE19B331}"/>
               </a:ext>
             </a:extLst>
           </p:cNvPr>
@@ -1457,7 +1457,7 @@
           <p:cNvPr id="4" name="Slide Number Placeholder 3">
             <a:extLst>
               <a:ext uri="{FF2B5EF4-FFF2-40B4-BE49-F238E27FC236}">
-                <a16:creationId xmlns:a16="http://schemas.microsoft.com/office/drawing/2014/main" id="{C0DAA4FD-2CAA-2AD5-818D-28D554B595D4}"/>
+                <a16:creationId xmlns:a16="http://schemas.microsoft.com/office/drawing/2014/main" xmlns="" id="{C0DAA4FD-2CAA-2AD5-818D-28D554B595D4}"/>
               </a:ext>
             </a:extLst>
           </p:cNvPr>
@@ -1502,7 +1502,7 @@
         <p:cNvPr id="1" name="">
           <a:extLst>
             <a:ext uri="{FF2B5EF4-FFF2-40B4-BE49-F238E27FC236}">
-              <a16:creationId xmlns:a16="http://schemas.microsoft.com/office/drawing/2014/main" id="{18FC03AC-621A-2205-6D86-8F4836053D21}"/>
+              <a16:creationId xmlns:a16="http://schemas.microsoft.com/office/drawing/2014/main" xmlns="" id="{18FC03AC-621A-2205-6D86-8F4836053D21}"/>
             </a:ext>
           </a:extLst>
         </p:cNvPr>
@@ -1522,7 +1522,7 @@
           <p:cNvPr id="2" name="Slide Image Placeholder 1">
             <a:extLst>
               <a:ext uri="{FF2B5EF4-FFF2-40B4-BE49-F238E27FC236}">
-                <a16:creationId xmlns:a16="http://schemas.microsoft.com/office/drawing/2014/main" id="{301E1203-2AF1-D8AF-D4AF-9654E7F774E6}"/>
+                <a16:creationId xmlns:a16="http://schemas.microsoft.com/office/drawing/2014/main" xmlns="" id="{301E1203-2AF1-D8AF-D4AF-9654E7F774E6}"/>
               </a:ext>
             </a:extLst>
           </p:cNvPr>
@@ -1540,7 +1540,7 @@
           <p:cNvPr id="3" name="Notes Placeholder 2">
             <a:extLst>
               <a:ext uri="{FF2B5EF4-FFF2-40B4-BE49-F238E27FC236}">
-                <a16:creationId xmlns:a16="http://schemas.microsoft.com/office/drawing/2014/main" id="{2DDFA6A3-9429-8373-890C-2BA345DFD655}"/>
+                <a16:creationId xmlns:a16="http://schemas.microsoft.com/office/drawing/2014/main" xmlns="" id="{2DDFA6A3-9429-8373-890C-2BA345DFD655}"/>
               </a:ext>
             </a:extLst>
           </p:cNvPr>
@@ -1565,7 +1565,7 @@
           <p:cNvPr id="4" name="Slide Number Placeholder 3">
             <a:extLst>
               <a:ext uri="{FF2B5EF4-FFF2-40B4-BE49-F238E27FC236}">
-                <a16:creationId xmlns:a16="http://schemas.microsoft.com/office/drawing/2014/main" id="{BD352784-181B-20AC-C71F-CAD05C04B048}"/>
+                <a16:creationId xmlns:a16="http://schemas.microsoft.com/office/drawing/2014/main" xmlns="" id="{BD352784-181B-20AC-C71F-CAD05C04B048}"/>
               </a:ext>
             </a:extLst>
           </p:cNvPr>
@@ -1828,7 +1828,7 @@
           <a:p>
             <a:fld id="{99746959-F72B-4434-9FA9-EE72537208E9}" type="datetime1">
               <a:rPr lang="en-US" smtClean="0"/>
-              <a:t>1/3/2025</a:t>
+              <a:t>1/4/2025</a:t>
             </a:fld>
             <a:endParaRPr lang="en-US"/>
           </a:p>
@@ -2036,7 +2036,7 @@
           <a:p>
             <a:fld id="{B8089D5D-4A3B-4AF8-A3A0-D54FC1E945C6}" type="datetime1">
               <a:rPr lang="en-US" smtClean="0"/>
-              <a:t>1/3/2025</a:t>
+              <a:t>1/4/2025</a:t>
             </a:fld>
             <a:endParaRPr lang="en-US"/>
           </a:p>
@@ -2292,7 +2292,7 @@
           <a:p>
             <a:fld id="{9B28BB60-7250-4E42-956F-2FA78AF151A2}" type="datetime1">
               <a:rPr lang="en-US" smtClean="0"/>
-              <a:t>1/3/2025</a:t>
+              <a:t>1/4/2025</a:t>
             </a:fld>
             <a:endParaRPr lang="en-US"/>
           </a:p>
@@ -2462,7 +2462,7 @@
           <a:p>
             <a:fld id="{98978E6B-7554-418F-B0F5-DE949FB4CA0D}" type="datetime1">
               <a:rPr lang="en-US" smtClean="0"/>
-              <a:t>1/3/2025</a:t>
+              <a:t>1/4/2025</a:t>
             </a:fld>
             <a:endParaRPr lang="en-US"/>
           </a:p>
@@ -2805,7 +2805,7 @@
           <a:p>
             <a:fld id="{44C0284C-1CF7-42B4-965E-A49E50E3223E}" type="datetime1">
               <a:rPr lang="en-US" smtClean="0"/>
-              <a:t>1/3/2025</a:t>
+              <a:t>1/4/2025</a:t>
             </a:fld>
             <a:endParaRPr lang="en-US"/>
           </a:p>
@@ -3080,7 +3080,7 @@
           <a:p>
             <a:fld id="{E97D768D-2F89-4793-A9F7-F10989190ED5}" type="datetime1">
               <a:rPr lang="en-US" smtClean="0"/>
-              <a:t>1/3/2025</a:t>
+              <a:t>1/4/2025</a:t>
             </a:fld>
             <a:endParaRPr lang="en-US"/>
           </a:p>
@@ -3459,7 +3459,7 @@
           <a:p>
             <a:fld id="{5EF93811-4766-449F-8FA9-46461230A395}" type="datetime1">
               <a:rPr lang="en-US" smtClean="0"/>
-              <a:t>1/3/2025</a:t>
+              <a:t>1/4/2025</a:t>
             </a:fld>
             <a:endParaRPr lang="en-US"/>
           </a:p>
@@ -3577,7 +3577,7 @@
           <a:p>
             <a:fld id="{B9824432-2E96-4491-A673-4B27BD9F2BA9}" type="datetime1">
               <a:rPr lang="en-US" smtClean="0"/>
-              <a:t>1/3/2025</a:t>
+              <a:t>1/4/2025</a:t>
             </a:fld>
             <a:endParaRPr lang="en-US"/>
           </a:p>
@@ -3748,7 +3748,7 @@
           <a:p>
             <a:fld id="{513D45AE-7DE9-4C64-9530-73B6B3983A59}" type="datetime1">
               <a:rPr lang="en-US" smtClean="0"/>
-              <a:t>1/3/2025</a:t>
+              <a:t>1/4/2025</a:t>
             </a:fld>
             <a:endParaRPr lang="en-US"/>
           </a:p>
@@ -4102,7 +4102,7 @@
           <a:p>
             <a:fld id="{EB0BC427-C1AD-4CBE-B00A-368E3025C438}" type="datetime1">
               <a:rPr lang="en-US" smtClean="0"/>
-              <a:t>1/3/2025</a:t>
+              <a:t>1/4/2025</a:t>
             </a:fld>
             <a:endParaRPr lang="en-US"/>
           </a:p>
@@ -4484,7 +4484,7 @@
           <a:p>
             <a:fld id="{024A4350-1720-43B3-BCDA-143EAD64AD8E}" type="datetime1">
               <a:rPr lang="en-US" smtClean="0"/>
-              <a:t>1/3/2025</a:t>
+              <a:t>1/4/2025</a:t>
             </a:fld>
             <a:endParaRPr lang="en-US"/>
           </a:p>
@@ -4771,7 +4771,7 @@
           <a:p>
             <a:fld id="{CB0D8B23-F553-4A7C-87BD-038B644D022B}" type="datetime1">
               <a:rPr lang="en-US" smtClean="0"/>
-              <a:t>1/3/2025</a:t>
+              <a:t>1/4/2025</a:t>
             </a:fld>
             <a:endParaRPr lang="en-US"/>
           </a:p>
@@ -5301,7 +5301,7 @@
           <p:cNvPr id="9" name="Rectangle 8">
             <a:extLst>
               <a:ext uri="{FF2B5EF4-FFF2-40B4-BE49-F238E27FC236}">
-                <a16:creationId xmlns:a16="http://schemas.microsoft.com/office/drawing/2014/main" id="{940B98CC-245C-D7B6-2336-DF1C1DDC08EF}"/>
+                <a16:creationId xmlns:a16="http://schemas.microsoft.com/office/drawing/2014/main" xmlns="" id="{940B98CC-245C-D7B6-2336-DF1C1DDC08EF}"/>
               </a:ext>
             </a:extLst>
           </p:cNvPr>
@@ -5492,7 +5492,7 @@
           <p:cNvPr id="2" name="Google Shape;55;p13">
             <a:extLst>
               <a:ext uri="{FF2B5EF4-FFF2-40B4-BE49-F238E27FC236}">
-                <a16:creationId xmlns:a16="http://schemas.microsoft.com/office/drawing/2014/main" id="{F4260D90-6C1B-1D6C-5C39-B7E5F1FA6728}"/>
+                <a16:creationId xmlns:a16="http://schemas.microsoft.com/office/drawing/2014/main" xmlns="" id="{F4260D90-6C1B-1D6C-5C39-B7E5F1FA6728}"/>
               </a:ext>
             </a:extLst>
           </p:cNvPr>
@@ -5576,7 +5576,7 @@
           <p:cNvPr id="10" name="TextBox 9">
             <a:extLst>
               <a:ext uri="{FF2B5EF4-FFF2-40B4-BE49-F238E27FC236}">
-                <a16:creationId xmlns:a16="http://schemas.microsoft.com/office/drawing/2014/main" id="{F2608BC0-040E-A06E-5E90-C852E309310D}"/>
+                <a16:creationId xmlns:a16="http://schemas.microsoft.com/office/drawing/2014/main" xmlns="" id="{F2608BC0-040E-A06E-5E90-C852E309310D}"/>
               </a:ext>
             </a:extLst>
           </p:cNvPr>
@@ -5753,7 +5753,7 @@
           <p:cNvPr id="24" name="TextBox 23">
             <a:extLst>
               <a:ext uri="{FF2B5EF4-FFF2-40B4-BE49-F238E27FC236}">
-                <a16:creationId xmlns:a16="http://schemas.microsoft.com/office/drawing/2014/main" id="{07EB2275-4F2F-16D1-9959-570BD51AACFE}"/>
+                <a16:creationId xmlns:a16="http://schemas.microsoft.com/office/drawing/2014/main" xmlns="" id="{07EB2275-4F2F-16D1-9959-570BD51AACFE}"/>
               </a:ext>
             </a:extLst>
           </p:cNvPr>
@@ -5810,7 +5810,7 @@
           <p:cNvPr id="25" name="TextBox 24">
             <a:extLst>
               <a:ext uri="{FF2B5EF4-FFF2-40B4-BE49-F238E27FC236}">
-                <a16:creationId xmlns:a16="http://schemas.microsoft.com/office/drawing/2014/main" id="{ABE86580-1F58-0325-152F-F950EB470275}"/>
+                <a16:creationId xmlns:a16="http://schemas.microsoft.com/office/drawing/2014/main" xmlns="" id="{ABE86580-1F58-0325-152F-F950EB470275}"/>
               </a:ext>
             </a:extLst>
           </p:cNvPr>
@@ -5948,7 +5948,7 @@
         <p:cNvPr id="1" name="">
           <a:extLst>
             <a:ext uri="{FF2B5EF4-FFF2-40B4-BE49-F238E27FC236}">
-              <a16:creationId xmlns:a16="http://schemas.microsoft.com/office/drawing/2014/main" id="{5A1FBFD8-0AED-7768-411C-F8B683442346}"/>
+              <a16:creationId xmlns:a16="http://schemas.microsoft.com/office/drawing/2014/main" xmlns="" id="{5A1FBFD8-0AED-7768-411C-F8B683442346}"/>
             </a:ext>
           </a:extLst>
         </p:cNvPr>
@@ -5968,7 +5968,7 @@
           <p:cNvPr id="4" name="Slide Number Placeholder 3">
             <a:extLst>
               <a:ext uri="{FF2B5EF4-FFF2-40B4-BE49-F238E27FC236}">
-                <a16:creationId xmlns:a16="http://schemas.microsoft.com/office/drawing/2014/main" id="{15D81D5A-E241-3935-986B-F1833B431C91}"/>
+                <a16:creationId xmlns:a16="http://schemas.microsoft.com/office/drawing/2014/main" xmlns="" id="{15D81D5A-E241-3935-986B-F1833B431C91}"/>
               </a:ext>
             </a:extLst>
           </p:cNvPr>
@@ -5997,7 +5997,7 @@
           <p:cNvPr id="6" name="Rectangle 5">
             <a:extLst>
               <a:ext uri="{FF2B5EF4-FFF2-40B4-BE49-F238E27FC236}">
-                <a16:creationId xmlns:a16="http://schemas.microsoft.com/office/drawing/2014/main" id="{47B7AE98-C216-583C-DE0E-82E31CDF2042}"/>
+                <a16:creationId xmlns:a16="http://schemas.microsoft.com/office/drawing/2014/main" xmlns="" id="{47B7AE98-C216-583C-DE0E-82E31CDF2042}"/>
               </a:ext>
             </a:extLst>
           </p:cNvPr>
@@ -6046,7 +6046,7 @@
           <p:cNvPr id="7" name="Title 6">
             <a:extLst>
               <a:ext uri="{FF2B5EF4-FFF2-40B4-BE49-F238E27FC236}">
-                <a16:creationId xmlns:a16="http://schemas.microsoft.com/office/drawing/2014/main" id="{DCE5DF5D-3A56-DB75-EBB6-C40F0DADC50F}"/>
+                <a16:creationId xmlns:a16="http://schemas.microsoft.com/office/drawing/2014/main" xmlns="" id="{DCE5DF5D-3A56-DB75-EBB6-C40F0DADC50F}"/>
               </a:ext>
             </a:extLst>
           </p:cNvPr>
@@ -6068,35 +6068,10 @@
       </p:sp>
       <p:sp>
         <p:nvSpPr>
-          <p:cNvPr id="8" name="Content Placeholder 7">
-            <a:extLst>
-              <a:ext uri="{FF2B5EF4-FFF2-40B4-BE49-F238E27FC236}">
-                <a16:creationId xmlns:a16="http://schemas.microsoft.com/office/drawing/2014/main" id="{7D75254F-C3B3-244D-73BE-8167AFCC16E5}"/>
-              </a:ext>
-            </a:extLst>
-          </p:cNvPr>
-          <p:cNvSpPr>
-            <a:spLocks noGrp="1"/>
-          </p:cNvSpPr>
-          <p:nvPr>
-            <p:ph idx="1"/>
-          </p:nvPr>
-        </p:nvSpPr>
-        <p:spPr/>
-        <p:txBody>
-          <a:bodyPr/>
-          <a:lstStyle/>
-          <a:p>
-            <a:endParaRPr lang="en-US"/>
-          </a:p>
-        </p:txBody>
-      </p:sp>
-      <p:sp>
-        <p:nvSpPr>
           <p:cNvPr id="9" name="Rectangle 8">
             <a:extLst>
               <a:ext uri="{FF2B5EF4-FFF2-40B4-BE49-F238E27FC236}">
-                <a16:creationId xmlns:a16="http://schemas.microsoft.com/office/drawing/2014/main" id="{73984609-CFCB-8B7F-3CDA-FD8264DE498B}"/>
+                <a16:creationId xmlns:a16="http://schemas.microsoft.com/office/drawing/2014/main" xmlns="" id="{73984609-CFCB-8B7F-3CDA-FD8264DE498B}"/>
               </a:ext>
             </a:extLst>
           </p:cNvPr>
@@ -6150,7 +6125,7 @@
           <p:cNvPr id="10" name="Title 1">
             <a:extLst>
               <a:ext uri="{FF2B5EF4-FFF2-40B4-BE49-F238E27FC236}">
-                <a16:creationId xmlns:a16="http://schemas.microsoft.com/office/drawing/2014/main" id="{FB81076E-B402-2B59-BC60-14DFA737F7FC}"/>
+                <a16:creationId xmlns:a16="http://schemas.microsoft.com/office/drawing/2014/main" xmlns="" id="{FB81076E-B402-2B59-BC60-14DFA737F7FC}"/>
               </a:ext>
             </a:extLst>
           </p:cNvPr>
@@ -6237,7 +6212,7 @@
           <p:cNvPr id="14" name="Text Placeholder 2">
             <a:extLst>
               <a:ext uri="{FF2B5EF4-FFF2-40B4-BE49-F238E27FC236}">
-                <a16:creationId xmlns:a16="http://schemas.microsoft.com/office/drawing/2014/main" id="{718955CF-EB3E-FE80-24C1-F4A63E17FA2D}"/>
+                <a16:creationId xmlns:a16="http://schemas.microsoft.com/office/drawing/2014/main" xmlns="" id="{718955CF-EB3E-FE80-24C1-F4A63E17FA2D}"/>
               </a:ext>
             </a:extLst>
           </p:cNvPr>
@@ -6601,6 +6576,35 @@
           </a:p>
         </p:txBody>
       </p:sp>
+      <p:pic>
+        <p:nvPicPr>
+          <p:cNvPr id="2" name="Content Placeholder 1"/>
+          <p:cNvPicPr>
+            <a:picLocks noGrp="1" noChangeAspect="1"/>
+          </p:cNvPicPr>
+          <p:nvPr>
+            <p:ph idx="1"/>
+          </p:nvPr>
+        </p:nvPicPr>
+        <p:blipFill>
+          <a:blip r:embed="rId3">
+            <a:extLst>
+              <a:ext uri="{28A0092B-C50C-407E-A947-70E740481C1C}">
+                <a14:useLocalDpi xmlns:a14="http://schemas.microsoft.com/office/drawing/2010/main" val="0"/>
+              </a:ext>
+            </a:extLst>
+          </a:blip>
+          <a:stretch>
+            <a:fillRect/>
+          </a:stretch>
+        </p:blipFill>
+        <p:spPr>
+          <a:xfrm>
+            <a:off x="3242363" y="1444670"/>
+            <a:ext cx="2659273" cy="4841830"/>
+          </a:xfrm>
+        </p:spPr>
+      </p:pic>
     </p:spTree>
     <p:extLst>
       <p:ext uri="{BB962C8B-B14F-4D97-AF65-F5344CB8AC3E}">
@@ -6622,7 +6626,7 @@
         <p:cNvPr id="1" name="">
           <a:extLst>
             <a:ext uri="{FF2B5EF4-FFF2-40B4-BE49-F238E27FC236}">
-              <a16:creationId xmlns:a16="http://schemas.microsoft.com/office/drawing/2014/main" id="{967DA226-8617-6C11-FAAC-1C6E2A704166}"/>
+              <a16:creationId xmlns:a16="http://schemas.microsoft.com/office/drawing/2014/main" xmlns="" id="{967DA226-8617-6C11-FAAC-1C6E2A704166}"/>
             </a:ext>
           </a:extLst>
         </p:cNvPr>
@@ -6642,7 +6646,7 @@
           <p:cNvPr id="4" name="Slide Number Placeholder 3">
             <a:extLst>
               <a:ext uri="{FF2B5EF4-FFF2-40B4-BE49-F238E27FC236}">
-                <a16:creationId xmlns:a16="http://schemas.microsoft.com/office/drawing/2014/main" id="{878386C5-CC4A-EE7E-8D67-7D7384002347}"/>
+                <a16:creationId xmlns:a16="http://schemas.microsoft.com/office/drawing/2014/main" xmlns="" id="{878386C5-CC4A-EE7E-8D67-7D7384002347}"/>
               </a:ext>
             </a:extLst>
           </p:cNvPr>
@@ -6671,7 +6675,7 @@
           <p:cNvPr id="6" name="Rectangle 5">
             <a:extLst>
               <a:ext uri="{FF2B5EF4-FFF2-40B4-BE49-F238E27FC236}">
-                <a16:creationId xmlns:a16="http://schemas.microsoft.com/office/drawing/2014/main" id="{9DA7A84C-839C-2044-C4F4-CE71B86CACE2}"/>
+                <a16:creationId xmlns:a16="http://schemas.microsoft.com/office/drawing/2014/main" xmlns="" id="{9DA7A84C-839C-2044-C4F4-CE71B86CACE2}"/>
               </a:ext>
             </a:extLst>
           </p:cNvPr>
@@ -6720,7 +6724,7 @@
           <p:cNvPr id="7" name="Title 6">
             <a:extLst>
               <a:ext uri="{FF2B5EF4-FFF2-40B4-BE49-F238E27FC236}">
-                <a16:creationId xmlns:a16="http://schemas.microsoft.com/office/drawing/2014/main" id="{22236D7D-4374-8FCF-E550-B77C0086AC09}"/>
+                <a16:creationId xmlns:a16="http://schemas.microsoft.com/office/drawing/2014/main" xmlns="" id="{22236D7D-4374-8FCF-E550-B77C0086AC09}"/>
               </a:ext>
             </a:extLst>
           </p:cNvPr>
@@ -6745,7 +6749,7 @@
           <p:cNvPr id="8" name="Content Placeholder 7">
             <a:extLst>
               <a:ext uri="{FF2B5EF4-FFF2-40B4-BE49-F238E27FC236}">
-                <a16:creationId xmlns:a16="http://schemas.microsoft.com/office/drawing/2014/main" id="{DE960198-2058-9EA3-96F7-7D42CCAC4DC1}"/>
+                <a16:creationId xmlns:a16="http://schemas.microsoft.com/office/drawing/2014/main" xmlns="" id="{DE960198-2058-9EA3-96F7-7D42CCAC4DC1}"/>
               </a:ext>
             </a:extLst>
           </p:cNvPr>
@@ -6770,7 +6774,7 @@
           <p:cNvPr id="9" name="Rectangle 8">
             <a:extLst>
               <a:ext uri="{FF2B5EF4-FFF2-40B4-BE49-F238E27FC236}">
-                <a16:creationId xmlns:a16="http://schemas.microsoft.com/office/drawing/2014/main" id="{E6B9A448-343B-831B-92D8-FEECD55A7457}"/>
+                <a16:creationId xmlns:a16="http://schemas.microsoft.com/office/drawing/2014/main" xmlns="" id="{E6B9A448-343B-831B-92D8-FEECD55A7457}"/>
               </a:ext>
             </a:extLst>
           </p:cNvPr>
@@ -6824,7 +6828,7 @@
           <p:cNvPr id="10" name="Title 1">
             <a:extLst>
               <a:ext uri="{FF2B5EF4-FFF2-40B4-BE49-F238E27FC236}">
-                <a16:creationId xmlns:a16="http://schemas.microsoft.com/office/drawing/2014/main" id="{797F4102-8E70-6C24-6CE9-31D5E77FE299}"/>
+                <a16:creationId xmlns:a16="http://schemas.microsoft.com/office/drawing/2014/main" xmlns="" id="{797F4102-8E70-6C24-6CE9-31D5E77FE299}"/>
               </a:ext>
             </a:extLst>
           </p:cNvPr>
@@ -6911,7 +6915,7 @@
           <p:cNvPr id="14" name="Text Placeholder 2">
             <a:extLst>
               <a:ext uri="{FF2B5EF4-FFF2-40B4-BE49-F238E27FC236}">
-                <a16:creationId xmlns:a16="http://schemas.microsoft.com/office/drawing/2014/main" id="{C3652B72-98C2-1BDE-312D-4A735C833842}"/>
+                <a16:creationId xmlns:a16="http://schemas.microsoft.com/office/drawing/2014/main" xmlns="" id="{C3652B72-98C2-1BDE-312D-4A735C833842}"/>
               </a:ext>
             </a:extLst>
           </p:cNvPr>
@@ -7243,6 +7247,30 @@
           </a:p>
         </p:txBody>
       </p:sp>
+      <p:pic>
+        <p:nvPicPr>
+          <p:cNvPr id="2" name="Picture 1"/>
+          <p:cNvPicPr>
+            <a:picLocks noChangeAspect="1"/>
+          </p:cNvPicPr>
+          <p:nvPr/>
+        </p:nvPicPr>
+        <p:blipFill>
+          <a:blip r:embed="rId3"/>
+          <a:stretch>
+            <a:fillRect/>
+          </a:stretch>
+        </p:blipFill>
+        <p:spPr>
+          <a:xfrm>
+            <a:off x="3200400" y="1330839"/>
+            <a:ext cx="2845929" cy="4913034"/>
+          </a:xfrm>
+          <a:prstGeom prst="rect">
+            <a:avLst/>
+          </a:prstGeom>
+        </p:spPr>
+      </p:pic>
     </p:spTree>
     <p:extLst>
       <p:ext uri="{BB962C8B-B14F-4D97-AF65-F5344CB8AC3E}">
@@ -9565,7 +9593,7 @@
           <p:cNvPr id="23" name="Content Placeholder 22" descr="A white phone with a screen on it&#10;&#10;Description automatically generated">
             <a:extLst>
               <a:ext uri="{FF2B5EF4-FFF2-40B4-BE49-F238E27FC236}">
-                <a16:creationId xmlns:a16="http://schemas.microsoft.com/office/drawing/2014/main" id="{61059DFC-2F77-6BA3-8B53-D8841E7EE007}"/>
+                <a16:creationId xmlns:a16="http://schemas.microsoft.com/office/drawing/2014/main" xmlns="" id="{61059DFC-2F77-6BA3-8B53-D8841E7EE007}"/>
               </a:ext>
             </a:extLst>
           </p:cNvPr>
@@ -9616,7 +9644,7 @@
         <p:cNvPr id="1" name="">
           <a:extLst>
             <a:ext uri="{FF2B5EF4-FFF2-40B4-BE49-F238E27FC236}">
-              <a16:creationId xmlns:a16="http://schemas.microsoft.com/office/drawing/2014/main" id="{FEF85279-2355-15E5-6F74-6785CF1DDAB3}"/>
+              <a16:creationId xmlns:a16="http://schemas.microsoft.com/office/drawing/2014/main" xmlns="" id="{FEF85279-2355-15E5-6F74-6785CF1DDAB3}"/>
             </a:ext>
           </a:extLst>
         </p:cNvPr>
@@ -9636,7 +9664,7 @@
           <p:cNvPr id="4" name="Slide Number Placeholder 3">
             <a:extLst>
               <a:ext uri="{FF2B5EF4-FFF2-40B4-BE49-F238E27FC236}">
-                <a16:creationId xmlns:a16="http://schemas.microsoft.com/office/drawing/2014/main" id="{5475FC4F-8ED9-7C6C-C563-158538A82B39}"/>
+                <a16:creationId xmlns:a16="http://schemas.microsoft.com/office/drawing/2014/main" xmlns="" id="{5475FC4F-8ED9-7C6C-C563-158538A82B39}"/>
               </a:ext>
             </a:extLst>
           </p:cNvPr>
@@ -9665,7 +9693,7 @@
           <p:cNvPr id="6" name="Rectangle 5">
             <a:extLst>
               <a:ext uri="{FF2B5EF4-FFF2-40B4-BE49-F238E27FC236}">
-                <a16:creationId xmlns:a16="http://schemas.microsoft.com/office/drawing/2014/main" id="{F77B5D00-E7D5-5B26-8BE7-2BE6349CB640}"/>
+                <a16:creationId xmlns:a16="http://schemas.microsoft.com/office/drawing/2014/main" xmlns="" id="{F77B5D00-E7D5-5B26-8BE7-2BE6349CB640}"/>
               </a:ext>
             </a:extLst>
           </p:cNvPr>
@@ -9714,7 +9742,7 @@
           <p:cNvPr id="7" name="Title 6">
             <a:extLst>
               <a:ext uri="{FF2B5EF4-FFF2-40B4-BE49-F238E27FC236}">
-                <a16:creationId xmlns:a16="http://schemas.microsoft.com/office/drawing/2014/main" id="{C454CFC9-6818-E203-52D5-BFC2E3E23118}"/>
+                <a16:creationId xmlns:a16="http://schemas.microsoft.com/office/drawing/2014/main" xmlns="" id="{C454CFC9-6818-E203-52D5-BFC2E3E23118}"/>
               </a:ext>
             </a:extLst>
           </p:cNvPr>
@@ -9739,7 +9767,7 @@
           <p:cNvPr id="8" name="Content Placeholder 7">
             <a:extLst>
               <a:ext uri="{FF2B5EF4-FFF2-40B4-BE49-F238E27FC236}">
-                <a16:creationId xmlns:a16="http://schemas.microsoft.com/office/drawing/2014/main" id="{139A1B29-7B75-04D0-E7E7-74D7C5ECCF01}"/>
+                <a16:creationId xmlns:a16="http://schemas.microsoft.com/office/drawing/2014/main" xmlns="" id="{139A1B29-7B75-04D0-E7E7-74D7C5ECCF01}"/>
               </a:ext>
             </a:extLst>
           </p:cNvPr>
@@ -9764,7 +9792,7 @@
           <p:cNvPr id="9" name="Rectangle 8">
             <a:extLst>
               <a:ext uri="{FF2B5EF4-FFF2-40B4-BE49-F238E27FC236}">
-                <a16:creationId xmlns:a16="http://schemas.microsoft.com/office/drawing/2014/main" id="{2EB7D698-197E-86AC-E72C-23BC7A68870C}"/>
+                <a16:creationId xmlns:a16="http://schemas.microsoft.com/office/drawing/2014/main" xmlns="" id="{2EB7D698-197E-86AC-E72C-23BC7A68870C}"/>
               </a:ext>
             </a:extLst>
           </p:cNvPr>
@@ -9818,7 +9846,7 @@
           <p:cNvPr id="10" name="Title 1">
             <a:extLst>
               <a:ext uri="{FF2B5EF4-FFF2-40B4-BE49-F238E27FC236}">
-                <a16:creationId xmlns:a16="http://schemas.microsoft.com/office/drawing/2014/main" id="{0F049940-67B8-75F7-6337-F49A80131754}"/>
+                <a16:creationId xmlns:a16="http://schemas.microsoft.com/office/drawing/2014/main" xmlns="" id="{0F049940-67B8-75F7-6337-F49A80131754}"/>
               </a:ext>
             </a:extLst>
           </p:cNvPr>
@@ -9896,7 +9924,7 @@
           <p:cNvPr id="14" name="Text Placeholder 2">
             <a:extLst>
               <a:ext uri="{FF2B5EF4-FFF2-40B4-BE49-F238E27FC236}">
-                <a16:creationId xmlns:a16="http://schemas.microsoft.com/office/drawing/2014/main" id="{FE5F7C1C-C37C-66E1-A429-56A5FE6EC1AD}"/>
+                <a16:creationId xmlns:a16="http://schemas.microsoft.com/office/drawing/2014/main" xmlns="" id="{FE5F7C1C-C37C-66E1-A429-56A5FE6EC1AD}"/>
               </a:ext>
             </a:extLst>
           </p:cNvPr>
@@ -10477,7 +10505,7 @@
         <p:cNvPr id="1" name="">
           <a:extLst>
             <a:ext uri="{FF2B5EF4-FFF2-40B4-BE49-F238E27FC236}">
-              <a16:creationId xmlns:a16="http://schemas.microsoft.com/office/drawing/2014/main" id="{E8432FDF-D149-4289-83A7-4BFBC4597B55}"/>
+              <a16:creationId xmlns:a16="http://schemas.microsoft.com/office/drawing/2014/main" xmlns="" id="{E8432FDF-D149-4289-83A7-4BFBC4597B55}"/>
             </a:ext>
           </a:extLst>
         </p:cNvPr>
@@ -10497,7 +10525,7 @@
           <p:cNvPr id="4" name="Slide Number Placeholder 3">
             <a:extLst>
               <a:ext uri="{FF2B5EF4-FFF2-40B4-BE49-F238E27FC236}">
-                <a16:creationId xmlns:a16="http://schemas.microsoft.com/office/drawing/2014/main" id="{8BD59FD7-CFEB-9BC9-525C-8A184699BC84}"/>
+                <a16:creationId xmlns:a16="http://schemas.microsoft.com/office/drawing/2014/main" xmlns="" id="{8BD59FD7-CFEB-9BC9-525C-8A184699BC84}"/>
               </a:ext>
             </a:extLst>
           </p:cNvPr>
@@ -10526,7 +10554,7 @@
           <p:cNvPr id="6" name="Rectangle 5">
             <a:extLst>
               <a:ext uri="{FF2B5EF4-FFF2-40B4-BE49-F238E27FC236}">
-                <a16:creationId xmlns:a16="http://schemas.microsoft.com/office/drawing/2014/main" id="{D16029F0-C2FD-7BD1-218D-5306869C802B}"/>
+                <a16:creationId xmlns:a16="http://schemas.microsoft.com/office/drawing/2014/main" xmlns="" id="{D16029F0-C2FD-7BD1-218D-5306869C802B}"/>
               </a:ext>
             </a:extLst>
           </p:cNvPr>
@@ -10575,7 +10603,7 @@
           <p:cNvPr id="7" name="Title 6">
             <a:extLst>
               <a:ext uri="{FF2B5EF4-FFF2-40B4-BE49-F238E27FC236}">
-                <a16:creationId xmlns:a16="http://schemas.microsoft.com/office/drawing/2014/main" id="{2BBE5706-D725-FE9C-378D-073E00AA09E6}"/>
+                <a16:creationId xmlns:a16="http://schemas.microsoft.com/office/drawing/2014/main" xmlns="" id="{2BBE5706-D725-FE9C-378D-073E00AA09E6}"/>
               </a:ext>
             </a:extLst>
           </p:cNvPr>
@@ -10597,35 +10625,10 @@
       </p:sp>
       <p:sp>
         <p:nvSpPr>
-          <p:cNvPr id="8" name="Content Placeholder 7">
-            <a:extLst>
-              <a:ext uri="{FF2B5EF4-FFF2-40B4-BE49-F238E27FC236}">
-                <a16:creationId xmlns:a16="http://schemas.microsoft.com/office/drawing/2014/main" id="{1D044E2C-1503-EDC6-436A-014B72DA4DA8}"/>
-              </a:ext>
-            </a:extLst>
-          </p:cNvPr>
-          <p:cNvSpPr>
-            <a:spLocks noGrp="1"/>
-          </p:cNvSpPr>
-          <p:nvPr>
-            <p:ph idx="1"/>
-          </p:nvPr>
-        </p:nvSpPr>
-        <p:spPr/>
-        <p:txBody>
-          <a:bodyPr/>
-          <a:lstStyle/>
-          <a:p>
-            <a:endParaRPr lang="en-US"/>
-          </a:p>
-        </p:txBody>
-      </p:sp>
-      <p:sp>
-        <p:nvSpPr>
           <p:cNvPr id="9" name="Rectangle 8">
             <a:extLst>
               <a:ext uri="{FF2B5EF4-FFF2-40B4-BE49-F238E27FC236}">
-                <a16:creationId xmlns:a16="http://schemas.microsoft.com/office/drawing/2014/main" id="{47555816-EC53-E71D-5567-A7F0F09057E4}"/>
+                <a16:creationId xmlns:a16="http://schemas.microsoft.com/office/drawing/2014/main" xmlns="" id="{47555816-EC53-E71D-5567-A7F0F09057E4}"/>
               </a:ext>
             </a:extLst>
           </p:cNvPr>
@@ -10679,7 +10682,7 @@
           <p:cNvPr id="10" name="Title 1">
             <a:extLst>
               <a:ext uri="{FF2B5EF4-FFF2-40B4-BE49-F238E27FC236}">
-                <a16:creationId xmlns:a16="http://schemas.microsoft.com/office/drawing/2014/main" id="{42D3B464-6F0B-819B-EA60-A5CC090556FC}"/>
+                <a16:creationId xmlns:a16="http://schemas.microsoft.com/office/drawing/2014/main" xmlns="" id="{42D3B464-6F0B-819B-EA60-A5CC090556FC}"/>
               </a:ext>
             </a:extLst>
           </p:cNvPr>
@@ -10766,7 +10769,7 @@
           <p:cNvPr id="14" name="Text Placeholder 2">
             <a:extLst>
               <a:ext uri="{FF2B5EF4-FFF2-40B4-BE49-F238E27FC236}">
-                <a16:creationId xmlns:a16="http://schemas.microsoft.com/office/drawing/2014/main" id="{8F918B3A-E68C-AD4F-BE2B-FD014E2F8E2F}"/>
+                <a16:creationId xmlns:a16="http://schemas.microsoft.com/office/drawing/2014/main" xmlns="" id="{8F918B3A-E68C-AD4F-BE2B-FD014E2F8E2F}"/>
               </a:ext>
             </a:extLst>
           </p:cNvPr>
@@ -11098,6 +11101,35 @@
           </a:p>
         </p:txBody>
       </p:sp>
+      <p:pic>
+        <p:nvPicPr>
+          <p:cNvPr id="5" name="Content Placeholder 4"/>
+          <p:cNvPicPr>
+            <a:picLocks noGrp="1" noChangeAspect="1"/>
+          </p:cNvPicPr>
+          <p:nvPr>
+            <p:ph idx="1"/>
+          </p:nvPr>
+        </p:nvPicPr>
+        <p:blipFill>
+          <a:blip r:embed="rId3">
+            <a:extLst>
+              <a:ext uri="{28A0092B-C50C-407E-A947-70E740481C1C}">
+                <a14:useLocalDpi xmlns:a14="http://schemas.microsoft.com/office/drawing/2010/main" val="0"/>
+              </a:ext>
+            </a:extLst>
+          </a:blip>
+          <a:stretch>
+            <a:fillRect/>
+          </a:stretch>
+        </p:blipFill>
+        <p:spPr>
+          <a:xfrm>
+            <a:off x="3366481" y="1357238"/>
+            <a:ext cx="2514600" cy="4825314"/>
+          </a:xfrm>
+        </p:spPr>
+      </p:pic>
     </p:spTree>
     <p:extLst>
       <p:ext uri="{BB962C8B-B14F-4D97-AF65-F5344CB8AC3E}">
@@ -11119,7 +11151,7 @@
         <p:cNvPr id="1" name="">
           <a:extLst>
             <a:ext uri="{FF2B5EF4-FFF2-40B4-BE49-F238E27FC236}">
-              <a16:creationId xmlns:a16="http://schemas.microsoft.com/office/drawing/2014/main" id="{8D235F90-9072-D370-8566-72DE467DE64B}"/>
+              <a16:creationId xmlns:a16="http://schemas.microsoft.com/office/drawing/2014/main" xmlns="" id="{8D235F90-9072-D370-8566-72DE467DE64B}"/>
             </a:ext>
           </a:extLst>
         </p:cNvPr>
@@ -11139,7 +11171,7 @@
           <p:cNvPr id="4" name="Slide Number Placeholder 3">
             <a:extLst>
               <a:ext uri="{FF2B5EF4-FFF2-40B4-BE49-F238E27FC236}">
-                <a16:creationId xmlns:a16="http://schemas.microsoft.com/office/drawing/2014/main" id="{32F4D7F2-32FF-BE21-AE6A-B16ED6617656}"/>
+                <a16:creationId xmlns:a16="http://schemas.microsoft.com/office/drawing/2014/main" xmlns="" id="{32F4D7F2-32FF-BE21-AE6A-B16ED6617656}"/>
               </a:ext>
             </a:extLst>
           </p:cNvPr>
@@ -11168,7 +11200,7 @@
           <p:cNvPr id="6" name="Rectangle 5">
             <a:extLst>
               <a:ext uri="{FF2B5EF4-FFF2-40B4-BE49-F238E27FC236}">
-                <a16:creationId xmlns:a16="http://schemas.microsoft.com/office/drawing/2014/main" id="{6631880B-D79B-19B4-2122-3A27AE5D8E3B}"/>
+                <a16:creationId xmlns:a16="http://schemas.microsoft.com/office/drawing/2014/main" xmlns="" id="{6631880B-D79B-19B4-2122-3A27AE5D8E3B}"/>
               </a:ext>
             </a:extLst>
           </p:cNvPr>
@@ -11217,7 +11249,7 @@
           <p:cNvPr id="7" name="Title 6">
             <a:extLst>
               <a:ext uri="{FF2B5EF4-FFF2-40B4-BE49-F238E27FC236}">
-                <a16:creationId xmlns:a16="http://schemas.microsoft.com/office/drawing/2014/main" id="{66274D7D-3E11-0F35-8986-DC6E1B6456BC}"/>
+                <a16:creationId xmlns:a16="http://schemas.microsoft.com/office/drawing/2014/main" xmlns="" id="{66274D7D-3E11-0F35-8986-DC6E1B6456BC}"/>
               </a:ext>
             </a:extLst>
           </p:cNvPr>
@@ -11239,35 +11271,10 @@
       </p:sp>
       <p:sp>
         <p:nvSpPr>
-          <p:cNvPr id="8" name="Content Placeholder 7">
-            <a:extLst>
-              <a:ext uri="{FF2B5EF4-FFF2-40B4-BE49-F238E27FC236}">
-                <a16:creationId xmlns:a16="http://schemas.microsoft.com/office/drawing/2014/main" id="{318F107C-785C-6664-D0C9-7310C8C8F71C}"/>
-              </a:ext>
-            </a:extLst>
-          </p:cNvPr>
-          <p:cNvSpPr>
-            <a:spLocks noGrp="1"/>
-          </p:cNvSpPr>
-          <p:nvPr>
-            <p:ph idx="1"/>
-          </p:nvPr>
-        </p:nvSpPr>
-        <p:spPr/>
-        <p:txBody>
-          <a:bodyPr/>
-          <a:lstStyle/>
-          <a:p>
-            <a:endParaRPr lang="en-US"/>
-          </a:p>
-        </p:txBody>
-      </p:sp>
-      <p:sp>
-        <p:nvSpPr>
           <p:cNvPr id="9" name="Rectangle 8">
             <a:extLst>
               <a:ext uri="{FF2B5EF4-FFF2-40B4-BE49-F238E27FC236}">
-                <a16:creationId xmlns:a16="http://schemas.microsoft.com/office/drawing/2014/main" id="{742CCAA4-C558-D3F7-FADA-3A8D67F62189}"/>
+                <a16:creationId xmlns:a16="http://schemas.microsoft.com/office/drawing/2014/main" xmlns="" id="{742CCAA4-C558-D3F7-FADA-3A8D67F62189}"/>
               </a:ext>
             </a:extLst>
           </p:cNvPr>
@@ -11321,7 +11328,7 @@
           <p:cNvPr id="10" name="Title 1">
             <a:extLst>
               <a:ext uri="{FF2B5EF4-FFF2-40B4-BE49-F238E27FC236}">
-                <a16:creationId xmlns:a16="http://schemas.microsoft.com/office/drawing/2014/main" id="{F10A8438-123B-AA9E-6056-572CF26D30AA}"/>
+                <a16:creationId xmlns:a16="http://schemas.microsoft.com/office/drawing/2014/main" xmlns="" id="{F10A8438-123B-AA9E-6056-572CF26D30AA}"/>
               </a:ext>
             </a:extLst>
           </p:cNvPr>
@@ -11408,7 +11415,7 @@
           <p:cNvPr id="14" name="Text Placeholder 2">
             <a:extLst>
               <a:ext uri="{FF2B5EF4-FFF2-40B4-BE49-F238E27FC236}">
-                <a16:creationId xmlns:a16="http://schemas.microsoft.com/office/drawing/2014/main" id="{7649EBAB-ADE8-5B50-4D67-C29C7138B9EE}"/>
+                <a16:creationId xmlns:a16="http://schemas.microsoft.com/office/drawing/2014/main" xmlns="" id="{7649EBAB-ADE8-5B50-4D67-C29C7138B9EE}"/>
               </a:ext>
             </a:extLst>
           </p:cNvPr>
@@ -11740,6 +11747,35 @@
           </a:p>
         </p:txBody>
       </p:sp>
+      <p:pic>
+        <p:nvPicPr>
+          <p:cNvPr id="3" name="Content Placeholder 2"/>
+          <p:cNvPicPr>
+            <a:picLocks noGrp="1" noChangeAspect="1"/>
+          </p:cNvPicPr>
+          <p:nvPr>
+            <p:ph idx="1"/>
+          </p:nvPr>
+        </p:nvPicPr>
+        <p:blipFill>
+          <a:blip r:embed="rId3">
+            <a:extLst>
+              <a:ext uri="{28A0092B-C50C-407E-A947-70E740481C1C}">
+                <a14:useLocalDpi xmlns:a14="http://schemas.microsoft.com/office/drawing/2010/main" val="0"/>
+              </a:ext>
+            </a:extLst>
+          </a:blip>
+          <a:stretch>
+            <a:fillRect/>
+          </a:stretch>
+        </p:blipFill>
+        <p:spPr>
+          <a:xfrm>
+            <a:off x="3337560" y="1313405"/>
+            <a:ext cx="2514600" cy="5011195"/>
+          </a:xfrm>
+        </p:spPr>
+      </p:pic>
     </p:spTree>
     <p:extLst>
       <p:ext uri="{BB962C8B-B14F-4D97-AF65-F5344CB8AC3E}">
@@ -11761,7 +11797,7 @@
         <p:cNvPr id="1" name="">
           <a:extLst>
             <a:ext uri="{FF2B5EF4-FFF2-40B4-BE49-F238E27FC236}">
-              <a16:creationId xmlns:a16="http://schemas.microsoft.com/office/drawing/2014/main" id="{4BB414C4-C8FE-4283-9CB3-916834BAEC17}"/>
+              <a16:creationId xmlns:a16="http://schemas.microsoft.com/office/drawing/2014/main" xmlns="" id="{4BB414C4-C8FE-4283-9CB3-916834BAEC17}"/>
             </a:ext>
           </a:extLst>
         </p:cNvPr>
@@ -11781,7 +11817,7 @@
           <p:cNvPr id="4" name="Slide Number Placeholder 3">
             <a:extLst>
               <a:ext uri="{FF2B5EF4-FFF2-40B4-BE49-F238E27FC236}">
-                <a16:creationId xmlns:a16="http://schemas.microsoft.com/office/drawing/2014/main" id="{837B00CA-AA60-03F7-3359-A6386BA1E7AC}"/>
+                <a16:creationId xmlns:a16="http://schemas.microsoft.com/office/drawing/2014/main" xmlns="" id="{837B00CA-AA60-03F7-3359-A6386BA1E7AC}"/>
               </a:ext>
             </a:extLst>
           </p:cNvPr>
@@ -11810,7 +11846,7 @@
           <p:cNvPr id="6" name="Rectangle 5">
             <a:extLst>
               <a:ext uri="{FF2B5EF4-FFF2-40B4-BE49-F238E27FC236}">
-                <a16:creationId xmlns:a16="http://schemas.microsoft.com/office/drawing/2014/main" id="{FADC567E-3F49-76D7-24E0-0E19700E02C2}"/>
+                <a16:creationId xmlns:a16="http://schemas.microsoft.com/office/drawing/2014/main" xmlns="" id="{FADC567E-3F49-76D7-24E0-0E19700E02C2}"/>
               </a:ext>
             </a:extLst>
           </p:cNvPr>
@@ -11859,7 +11895,7 @@
           <p:cNvPr id="7" name="Title 6">
             <a:extLst>
               <a:ext uri="{FF2B5EF4-FFF2-40B4-BE49-F238E27FC236}">
-                <a16:creationId xmlns:a16="http://schemas.microsoft.com/office/drawing/2014/main" id="{D5D38081-9616-ACC7-1659-6E4E92D7CB83}"/>
+                <a16:creationId xmlns:a16="http://schemas.microsoft.com/office/drawing/2014/main" xmlns="" id="{D5D38081-9616-ACC7-1659-6E4E92D7CB83}"/>
               </a:ext>
             </a:extLst>
           </p:cNvPr>
@@ -11884,7 +11920,7 @@
           <p:cNvPr id="8" name="Content Placeholder 7">
             <a:extLst>
               <a:ext uri="{FF2B5EF4-FFF2-40B4-BE49-F238E27FC236}">
-                <a16:creationId xmlns:a16="http://schemas.microsoft.com/office/drawing/2014/main" id="{FF275023-BA41-9925-91D1-4479ECEBC169}"/>
+                <a16:creationId xmlns:a16="http://schemas.microsoft.com/office/drawing/2014/main" xmlns="" id="{FF275023-BA41-9925-91D1-4479ECEBC169}"/>
               </a:ext>
             </a:extLst>
           </p:cNvPr>
@@ -11909,7 +11945,7 @@
           <p:cNvPr id="9" name="Rectangle 8">
             <a:extLst>
               <a:ext uri="{FF2B5EF4-FFF2-40B4-BE49-F238E27FC236}">
-                <a16:creationId xmlns:a16="http://schemas.microsoft.com/office/drawing/2014/main" id="{42D5FE93-4081-9A4E-647D-1D0551E2065C}"/>
+                <a16:creationId xmlns:a16="http://schemas.microsoft.com/office/drawing/2014/main" xmlns="" id="{42D5FE93-4081-9A4E-647D-1D0551E2065C}"/>
               </a:ext>
             </a:extLst>
           </p:cNvPr>
@@ -11963,7 +11999,7 @@
           <p:cNvPr id="10" name="Title 1">
             <a:extLst>
               <a:ext uri="{FF2B5EF4-FFF2-40B4-BE49-F238E27FC236}">
-                <a16:creationId xmlns:a16="http://schemas.microsoft.com/office/drawing/2014/main" id="{AADEBD3C-A603-2B46-16AA-D030BA3FAE72}"/>
+                <a16:creationId xmlns:a16="http://schemas.microsoft.com/office/drawing/2014/main" xmlns="" id="{AADEBD3C-A603-2B46-16AA-D030BA3FAE72}"/>
               </a:ext>
             </a:extLst>
           </p:cNvPr>
@@ -12050,7 +12086,7 @@
           <p:cNvPr id="14" name="Text Placeholder 2">
             <a:extLst>
               <a:ext uri="{FF2B5EF4-FFF2-40B4-BE49-F238E27FC236}">
-                <a16:creationId xmlns:a16="http://schemas.microsoft.com/office/drawing/2014/main" id="{6132C971-57CE-014A-9A9F-68CF142B17A9}"/>
+                <a16:creationId xmlns:a16="http://schemas.microsoft.com/office/drawing/2014/main" xmlns="" id="{6132C971-57CE-014A-9A9F-68CF142B17A9}"/>
               </a:ext>
             </a:extLst>
           </p:cNvPr>
@@ -12382,6 +12418,30 @@
           </a:p>
         </p:txBody>
       </p:sp>
+      <p:pic>
+        <p:nvPicPr>
+          <p:cNvPr id="2" name="Picture 1"/>
+          <p:cNvPicPr>
+            <a:picLocks noChangeAspect="1"/>
+          </p:cNvPicPr>
+          <p:nvPr/>
+        </p:nvPicPr>
+        <p:blipFill>
+          <a:blip r:embed="rId3"/>
+          <a:stretch>
+            <a:fillRect/>
+          </a:stretch>
+        </p:blipFill>
+        <p:spPr>
+          <a:xfrm>
+            <a:off x="2590800" y="1476102"/>
+            <a:ext cx="3996551" cy="4392992"/>
+          </a:xfrm>
+          <a:prstGeom prst="rect">
+            <a:avLst/>
+          </a:prstGeom>
+        </p:spPr>
+      </p:pic>
     </p:spTree>
     <p:extLst>
       <p:ext uri="{BB962C8B-B14F-4D97-AF65-F5344CB8AC3E}">
@@ -12403,7 +12463,7 @@
         <p:cNvPr id="1" name="">
           <a:extLst>
             <a:ext uri="{FF2B5EF4-FFF2-40B4-BE49-F238E27FC236}">
-              <a16:creationId xmlns:a16="http://schemas.microsoft.com/office/drawing/2014/main" id="{5D3F9FF5-F45F-79C2-8F7C-5890AE1199E9}"/>
+              <a16:creationId xmlns:a16="http://schemas.microsoft.com/office/drawing/2014/main" xmlns="" id="{5D3F9FF5-F45F-79C2-8F7C-5890AE1199E9}"/>
             </a:ext>
           </a:extLst>
         </p:cNvPr>
@@ -12423,7 +12483,7 @@
           <p:cNvPr id="4" name="Slide Number Placeholder 3">
             <a:extLst>
               <a:ext uri="{FF2B5EF4-FFF2-40B4-BE49-F238E27FC236}">
-                <a16:creationId xmlns:a16="http://schemas.microsoft.com/office/drawing/2014/main" id="{48EB1396-FA07-08D4-8647-F172BFB1E273}"/>
+                <a16:creationId xmlns:a16="http://schemas.microsoft.com/office/drawing/2014/main" xmlns="" id="{48EB1396-FA07-08D4-8647-F172BFB1E273}"/>
               </a:ext>
             </a:extLst>
           </p:cNvPr>
@@ -12452,7 +12512,7 @@
           <p:cNvPr id="6" name="Rectangle 5">
             <a:extLst>
               <a:ext uri="{FF2B5EF4-FFF2-40B4-BE49-F238E27FC236}">
-                <a16:creationId xmlns:a16="http://schemas.microsoft.com/office/drawing/2014/main" id="{68F94E67-B7E5-D523-5DC7-61C8A6BC0261}"/>
+                <a16:creationId xmlns:a16="http://schemas.microsoft.com/office/drawing/2014/main" xmlns="" id="{68F94E67-B7E5-D523-5DC7-61C8A6BC0261}"/>
               </a:ext>
             </a:extLst>
           </p:cNvPr>
@@ -12501,7 +12561,7 @@
           <p:cNvPr id="7" name="Title 6">
             <a:extLst>
               <a:ext uri="{FF2B5EF4-FFF2-40B4-BE49-F238E27FC236}">
-                <a16:creationId xmlns:a16="http://schemas.microsoft.com/office/drawing/2014/main" id="{0D246050-734F-4AC0-4118-DF7B2ED50791}"/>
+                <a16:creationId xmlns:a16="http://schemas.microsoft.com/office/drawing/2014/main" xmlns="" id="{0D246050-734F-4AC0-4118-DF7B2ED50791}"/>
               </a:ext>
             </a:extLst>
           </p:cNvPr>
@@ -12523,35 +12583,10 @@
       </p:sp>
       <p:sp>
         <p:nvSpPr>
-          <p:cNvPr id="8" name="Content Placeholder 7">
-            <a:extLst>
-              <a:ext uri="{FF2B5EF4-FFF2-40B4-BE49-F238E27FC236}">
-                <a16:creationId xmlns:a16="http://schemas.microsoft.com/office/drawing/2014/main" id="{CA09C767-7E51-D189-ECEB-D01EB3EBA466}"/>
-              </a:ext>
-            </a:extLst>
-          </p:cNvPr>
-          <p:cNvSpPr>
-            <a:spLocks noGrp="1"/>
-          </p:cNvSpPr>
-          <p:nvPr>
-            <p:ph idx="1"/>
-          </p:nvPr>
-        </p:nvSpPr>
-        <p:spPr/>
-        <p:txBody>
-          <a:bodyPr/>
-          <a:lstStyle/>
-          <a:p>
-            <a:endParaRPr lang="en-US"/>
-          </a:p>
-        </p:txBody>
-      </p:sp>
-      <p:sp>
-        <p:nvSpPr>
           <p:cNvPr id="9" name="Rectangle 8">
             <a:extLst>
               <a:ext uri="{FF2B5EF4-FFF2-40B4-BE49-F238E27FC236}">
-                <a16:creationId xmlns:a16="http://schemas.microsoft.com/office/drawing/2014/main" id="{8A2CB41F-60D5-850D-FA41-372CD8DCC510}"/>
+                <a16:creationId xmlns:a16="http://schemas.microsoft.com/office/drawing/2014/main" xmlns="" id="{8A2CB41F-60D5-850D-FA41-372CD8DCC510}"/>
               </a:ext>
             </a:extLst>
           </p:cNvPr>
@@ -12605,7 +12640,7 @@
           <p:cNvPr id="10" name="Title 1">
             <a:extLst>
               <a:ext uri="{FF2B5EF4-FFF2-40B4-BE49-F238E27FC236}">
-                <a16:creationId xmlns:a16="http://schemas.microsoft.com/office/drawing/2014/main" id="{72021394-E845-BE71-35C1-08213BB061D3}"/>
+                <a16:creationId xmlns:a16="http://schemas.microsoft.com/office/drawing/2014/main" xmlns="" id="{72021394-E845-BE71-35C1-08213BB061D3}"/>
               </a:ext>
             </a:extLst>
           </p:cNvPr>
@@ -12692,7 +12727,7 @@
           <p:cNvPr id="14" name="Text Placeholder 2">
             <a:extLst>
               <a:ext uri="{FF2B5EF4-FFF2-40B4-BE49-F238E27FC236}">
-                <a16:creationId xmlns:a16="http://schemas.microsoft.com/office/drawing/2014/main" id="{2735352A-FA42-E8B9-0A64-1AFF55573C05}"/>
+                <a16:creationId xmlns:a16="http://schemas.microsoft.com/office/drawing/2014/main" xmlns="" id="{2735352A-FA42-E8B9-0A64-1AFF55573C05}"/>
               </a:ext>
             </a:extLst>
           </p:cNvPr>
@@ -13024,6 +13059,35 @@
           </a:p>
         </p:txBody>
       </p:sp>
+      <p:pic>
+        <p:nvPicPr>
+          <p:cNvPr id="2" name="Content Placeholder 1"/>
+          <p:cNvPicPr>
+            <a:picLocks noGrp="1" noChangeAspect="1"/>
+          </p:cNvPicPr>
+          <p:nvPr>
+            <p:ph idx="1"/>
+          </p:nvPr>
+        </p:nvPicPr>
+        <p:blipFill>
+          <a:blip r:embed="rId3">
+            <a:extLst>
+              <a:ext uri="{28A0092B-C50C-407E-A947-70E740481C1C}">
+                <a14:useLocalDpi xmlns:a14="http://schemas.microsoft.com/office/drawing/2010/main" val="0"/>
+              </a:ext>
+            </a:extLst>
+          </a:blip>
+          <a:stretch>
+            <a:fillRect/>
+          </a:stretch>
+        </p:blipFill>
+        <p:spPr>
+          <a:xfrm>
+            <a:off x="3238500" y="1456221"/>
+            <a:ext cx="2667000" cy="4728644"/>
+          </a:xfrm>
+        </p:spPr>
+      </p:pic>
     </p:spTree>
     <p:extLst>
       <p:ext uri="{BB962C8B-B14F-4D97-AF65-F5344CB8AC3E}">
@@ -13045,7 +13109,7 @@
         <p:cNvPr id="1" name="">
           <a:extLst>
             <a:ext uri="{FF2B5EF4-FFF2-40B4-BE49-F238E27FC236}">
-              <a16:creationId xmlns:a16="http://schemas.microsoft.com/office/drawing/2014/main" id="{09607816-89F4-2C9B-AC4F-09060975A86D}"/>
+              <a16:creationId xmlns:a16="http://schemas.microsoft.com/office/drawing/2014/main" xmlns="" id="{09607816-89F4-2C9B-AC4F-09060975A86D}"/>
             </a:ext>
           </a:extLst>
         </p:cNvPr>
@@ -13065,7 +13129,7 @@
           <p:cNvPr id="4" name="Slide Number Placeholder 3">
             <a:extLst>
               <a:ext uri="{FF2B5EF4-FFF2-40B4-BE49-F238E27FC236}">
-                <a16:creationId xmlns:a16="http://schemas.microsoft.com/office/drawing/2014/main" id="{BA1A8E9F-E94D-4201-AE3E-5BC03A66F2A4}"/>
+                <a16:creationId xmlns:a16="http://schemas.microsoft.com/office/drawing/2014/main" xmlns="" id="{BA1A8E9F-E94D-4201-AE3E-5BC03A66F2A4}"/>
               </a:ext>
             </a:extLst>
           </p:cNvPr>
@@ -13094,7 +13158,7 @@
           <p:cNvPr id="6" name="Rectangle 5">
             <a:extLst>
               <a:ext uri="{FF2B5EF4-FFF2-40B4-BE49-F238E27FC236}">
-                <a16:creationId xmlns:a16="http://schemas.microsoft.com/office/drawing/2014/main" id="{F68C0C7C-D66A-07B3-D1B2-A05DE44159B8}"/>
+                <a16:creationId xmlns:a16="http://schemas.microsoft.com/office/drawing/2014/main" xmlns="" id="{F68C0C7C-D66A-07B3-D1B2-A05DE44159B8}"/>
               </a:ext>
             </a:extLst>
           </p:cNvPr>
@@ -13143,7 +13207,7 @@
           <p:cNvPr id="7" name="Title 6">
             <a:extLst>
               <a:ext uri="{FF2B5EF4-FFF2-40B4-BE49-F238E27FC236}">
-                <a16:creationId xmlns:a16="http://schemas.microsoft.com/office/drawing/2014/main" id="{CA18B33E-7148-1D3B-C0A7-44202F3DEA51}"/>
+                <a16:creationId xmlns:a16="http://schemas.microsoft.com/office/drawing/2014/main" xmlns="" id="{CA18B33E-7148-1D3B-C0A7-44202F3DEA51}"/>
               </a:ext>
             </a:extLst>
           </p:cNvPr>
@@ -13165,35 +13229,10 @@
       </p:sp>
       <p:sp>
         <p:nvSpPr>
-          <p:cNvPr id="8" name="Content Placeholder 7">
-            <a:extLst>
-              <a:ext uri="{FF2B5EF4-FFF2-40B4-BE49-F238E27FC236}">
-                <a16:creationId xmlns:a16="http://schemas.microsoft.com/office/drawing/2014/main" id="{1BF4C2DF-C359-13B5-2B6B-8FC72E32F927}"/>
-              </a:ext>
-            </a:extLst>
-          </p:cNvPr>
-          <p:cNvSpPr>
-            <a:spLocks noGrp="1"/>
-          </p:cNvSpPr>
-          <p:nvPr>
-            <p:ph idx="1"/>
-          </p:nvPr>
-        </p:nvSpPr>
-        <p:spPr/>
-        <p:txBody>
-          <a:bodyPr/>
-          <a:lstStyle/>
-          <a:p>
-            <a:endParaRPr lang="en-US"/>
-          </a:p>
-        </p:txBody>
-      </p:sp>
-      <p:sp>
-        <p:nvSpPr>
           <p:cNvPr id="9" name="Rectangle 8">
             <a:extLst>
               <a:ext uri="{FF2B5EF4-FFF2-40B4-BE49-F238E27FC236}">
-                <a16:creationId xmlns:a16="http://schemas.microsoft.com/office/drawing/2014/main" id="{F2D0C544-00FB-8C37-19CF-DDE4AC973FB0}"/>
+                <a16:creationId xmlns:a16="http://schemas.microsoft.com/office/drawing/2014/main" xmlns="" id="{F2D0C544-00FB-8C37-19CF-DDE4AC973FB0}"/>
               </a:ext>
             </a:extLst>
           </p:cNvPr>
@@ -13247,7 +13286,7 @@
           <p:cNvPr id="10" name="Title 1">
             <a:extLst>
               <a:ext uri="{FF2B5EF4-FFF2-40B4-BE49-F238E27FC236}">
-                <a16:creationId xmlns:a16="http://schemas.microsoft.com/office/drawing/2014/main" id="{4D1A4D8C-93E9-16C1-63BC-F518C88C1B68}"/>
+                <a16:creationId xmlns:a16="http://schemas.microsoft.com/office/drawing/2014/main" xmlns="" id="{4D1A4D8C-93E9-16C1-63BC-F518C88C1B68}"/>
               </a:ext>
             </a:extLst>
           </p:cNvPr>
@@ -13334,7 +13373,7 @@
           <p:cNvPr id="14" name="Text Placeholder 2">
             <a:extLst>
               <a:ext uri="{FF2B5EF4-FFF2-40B4-BE49-F238E27FC236}">
-                <a16:creationId xmlns:a16="http://schemas.microsoft.com/office/drawing/2014/main" id="{98F5CC0C-3AB3-FDBA-8EE6-2EED91CFCE97}"/>
+                <a16:creationId xmlns:a16="http://schemas.microsoft.com/office/drawing/2014/main" xmlns="" id="{98F5CC0C-3AB3-FDBA-8EE6-2EED91CFCE97}"/>
               </a:ext>
             </a:extLst>
           </p:cNvPr>
@@ -13682,6 +13721,35 @@
           </a:p>
         </p:txBody>
       </p:sp>
+      <p:pic>
+        <p:nvPicPr>
+          <p:cNvPr id="2" name="Content Placeholder 1"/>
+          <p:cNvPicPr>
+            <a:picLocks noGrp="1" noChangeAspect="1"/>
+          </p:cNvPicPr>
+          <p:nvPr>
+            <p:ph idx="1"/>
+          </p:nvPr>
+        </p:nvPicPr>
+        <p:blipFill>
+          <a:blip r:embed="rId3">
+            <a:extLst>
+              <a:ext uri="{28A0092B-C50C-407E-A947-70E740481C1C}">
+                <a14:useLocalDpi xmlns:a14="http://schemas.microsoft.com/office/drawing/2010/main" val="0"/>
+              </a:ext>
+            </a:extLst>
+          </a:blip>
+          <a:stretch>
+            <a:fillRect/>
+          </a:stretch>
+        </p:blipFill>
+        <p:spPr>
+          <a:xfrm>
+            <a:off x="3290281" y="1397963"/>
+            <a:ext cx="2667000" cy="4888537"/>
+          </a:xfrm>
+        </p:spPr>
+      </p:pic>
     </p:spTree>
     <p:extLst>
       <p:ext uri="{BB962C8B-B14F-4D97-AF65-F5344CB8AC3E}">
